--- a/Final_Project_PPT.pptx
+++ b/Final_Project_PPT.pptx
@@ -287,7 +287,7 @@
             <a:fld id="{1D8BD707-D9CF-40AE-B4C6-C98DA3205C09}" type="datetimeFigureOut">
               <a:rPr lang="en-US" smtClean="0"/>
               <a:pPr/>
-              <a:t>05/04/2016</a:t>
+              <a:t>5/11/2016</a:t>
             </a:fld>
             <a:endParaRPr lang="en-US"/>
           </a:p>
@@ -454,7 +454,7 @@
             <a:fld id="{1D8BD707-D9CF-40AE-B4C6-C98DA3205C09}" type="datetimeFigureOut">
               <a:rPr lang="en-US" smtClean="0"/>
               <a:pPr/>
-              <a:t>05/04/2016</a:t>
+              <a:t>5/11/2016</a:t>
             </a:fld>
             <a:endParaRPr lang="en-US"/>
           </a:p>
@@ -631,7 +631,7 @@
             <a:fld id="{1D8BD707-D9CF-40AE-B4C6-C98DA3205C09}" type="datetimeFigureOut">
               <a:rPr lang="en-US" smtClean="0"/>
               <a:pPr/>
-              <a:t>05/04/2016</a:t>
+              <a:t>5/11/2016</a:t>
             </a:fld>
             <a:endParaRPr lang="en-US"/>
           </a:p>
@@ -798,7 +798,7 @@
             <a:fld id="{1D8BD707-D9CF-40AE-B4C6-C98DA3205C09}" type="datetimeFigureOut">
               <a:rPr lang="en-US" smtClean="0"/>
               <a:pPr/>
-              <a:t>05/04/2016</a:t>
+              <a:t>5/11/2016</a:t>
             </a:fld>
             <a:endParaRPr lang="en-US"/>
           </a:p>
@@ -1042,7 +1042,7 @@
             <a:fld id="{1D8BD707-D9CF-40AE-B4C6-C98DA3205C09}" type="datetimeFigureOut">
               <a:rPr lang="en-US" smtClean="0"/>
               <a:pPr/>
-              <a:t>05/04/2016</a:t>
+              <a:t>5/11/2016</a:t>
             </a:fld>
             <a:endParaRPr lang="en-US"/>
           </a:p>
@@ -1308,7 +1308,7 @@
             <a:fld id="{1D8BD707-D9CF-40AE-B4C6-C98DA3205C09}" type="datetimeFigureOut">
               <a:rPr lang="en-US" smtClean="0"/>
               <a:pPr/>
-              <a:t>05/04/2016</a:t>
+              <a:t>5/11/2016</a:t>
             </a:fld>
             <a:endParaRPr lang="en-US"/>
           </a:p>
@@ -1688,7 +1688,7 @@
             <a:fld id="{1D8BD707-D9CF-40AE-B4C6-C98DA3205C09}" type="datetimeFigureOut">
               <a:rPr lang="en-US" smtClean="0"/>
               <a:pPr/>
-              <a:t>05/04/2016</a:t>
+              <a:t>5/11/2016</a:t>
             </a:fld>
             <a:endParaRPr lang="en-US"/>
           </a:p>
@@ -1840,7 +1840,7 @@
             <a:fld id="{1D8BD707-D9CF-40AE-B4C6-C98DA3205C09}" type="datetimeFigureOut">
               <a:rPr lang="en-US" smtClean="0"/>
               <a:pPr/>
-              <a:t>05/04/2016</a:t>
+              <a:t>5/11/2016</a:t>
             </a:fld>
             <a:endParaRPr lang="en-US"/>
           </a:p>
@@ -1932,7 +1932,7 @@
             <a:fld id="{1D8BD707-D9CF-40AE-B4C6-C98DA3205C09}" type="datetimeFigureOut">
               <a:rPr lang="en-US" smtClean="0"/>
               <a:pPr/>
-              <a:t>05/04/2016</a:t>
+              <a:t>5/11/2016</a:t>
             </a:fld>
             <a:endParaRPr lang="en-US"/>
           </a:p>
@@ -2195,7 +2195,7 @@
             <a:fld id="{1D8BD707-D9CF-40AE-B4C6-C98DA3205C09}" type="datetimeFigureOut">
               <a:rPr lang="en-US" smtClean="0"/>
               <a:pPr/>
-              <a:t>05/04/2016</a:t>
+              <a:t>5/11/2016</a:t>
             </a:fld>
             <a:endParaRPr lang="en-US"/>
           </a:p>
@@ -2485,7 +2485,7 @@
             <a:fld id="{1D8BD707-D9CF-40AE-B4C6-C98DA3205C09}" type="datetimeFigureOut">
               <a:rPr lang="en-US" smtClean="0"/>
               <a:pPr/>
-              <a:t>05/04/2016</a:t>
+              <a:t>5/11/2016</a:t>
             </a:fld>
             <a:endParaRPr lang="en-US"/>
           </a:p>
@@ -3258,7 +3258,7 @@
             <a:fld id="{1D8BD707-D9CF-40AE-B4C6-C98DA3205C09}" type="datetimeFigureOut">
               <a:rPr lang="en-US" smtClean="0"/>
               <a:pPr/>
-              <a:t>05/04/2016</a:t>
+              <a:t>5/11/2016</a:t>
             </a:fld>
             <a:endParaRPr lang="en-US"/>
           </a:p>
@@ -4449,15 +4449,7 @@
             </a:pPr>
             <a:r>
               <a:rPr lang="en-US" dirty="0" smtClean="0"/>
-              <a:t>National </a:t>
-            </a:r>
-            <a:r>
-              <a:rPr lang="en-US" dirty="0" smtClean="0"/>
-              <a:t>Nutrient Database for Standard </a:t>
-            </a:r>
-            <a:r>
-              <a:rPr lang="en-US" dirty="0" smtClean="0"/>
-              <a:t>Reference :      for matching nutrient food recommendation.</a:t>
+              <a:t>National Nutrient Database for Standard Reference :      for matching nutrient food recommendation.</a:t>
             </a:r>
           </a:p>
           <a:p>
@@ -4817,19 +4809,7 @@
             <a:pPr algn="l"/>
             <a:r>
               <a:rPr lang="en-US" sz="2000" dirty="0" smtClean="0"/>
-              <a:t>Cosine Similarity : </a:t>
-            </a:r>
-            <a:r>
-              <a:rPr lang="en-US" sz="2000" dirty="0" smtClean="0"/>
-              <a:t>Content/feature </a:t>
-            </a:r>
-            <a:r>
-              <a:rPr lang="en-US" sz="2000" dirty="0" smtClean="0"/>
-              <a:t>based collaborative </a:t>
-            </a:r>
-            <a:r>
-              <a:rPr lang="en-US" sz="2000" dirty="0" smtClean="0"/>
-              <a:t>filtering for recommending food items having similar nutrition.</a:t>
+              <a:t>Cosine Similarity : Content/feature based collaborative filtering for recommending food items having similar nutrition.</a:t>
             </a:r>
           </a:p>
           <a:p>
@@ -5027,8 +5007,8 @@
           <a:p>
             <a:pPr algn="ctr"/>
             <a:r>
-              <a:rPr lang="en-US" dirty="0" err="1" smtClean="0"/>
-              <a:t>Referenaces</a:t>
+              <a:rPr lang="en-US" smtClean="0"/>
+              <a:t>References</a:t>
             </a:r>
             <a:endParaRPr lang="en-US" dirty="0"/>
           </a:p>
@@ -5084,13 +5064,7 @@
               <a:rPr lang="en-US" sz="2400" dirty="0" smtClean="0">
                 <a:hlinkClick r:id="rId2"/>
               </a:rPr>
-              <a:t>ftp://</a:t>
-            </a:r>
-            <a:r>
-              <a:rPr lang="en-US" sz="2400" dirty="0" smtClean="0">
-                <a:hlinkClick r:id="rId2"/>
-              </a:rPr>
-              <a:t>ftp.tik.ee.ethz.ch/pub/students/2010-HS/SA-2010-26.pdf</a:t>
+              <a:t>ftp://ftp.tik.ee.ethz.ch/pub/students/2010-HS/SA-2010-26.pdf</a:t>
             </a:r>
           </a:p>
           <a:p>
@@ -5111,13 +5085,7 @@
               <a:rPr lang="en-US" sz="2400" dirty="0" smtClean="0">
                 <a:hlinkClick r:id="rId2"/>
               </a:rPr>
-              <a:t>http://www.ceng.metu.edu.tr/~</a:t>
-            </a:r>
-            <a:r>
-              <a:rPr lang="en-US" sz="2400" dirty="0" smtClean="0">
-                <a:hlinkClick r:id="rId2"/>
-              </a:rPr>
-              <a:t>e1395557/foodRecSys.pdf</a:t>
+              <a:t>http://www.ceng.metu.edu.tr/~e1395557/foodRecSys.pdf</a:t>
             </a:r>
           </a:p>
           <a:p>
@@ -5138,13 +5106,7 @@
               <a:rPr lang="en-US" sz="2400" dirty="0" smtClean="0">
                 <a:hlinkClick r:id="rId2"/>
               </a:rPr>
-              <a:t>https://</a:t>
-            </a:r>
-            <a:r>
-              <a:rPr lang="en-US" sz="2400" dirty="0" smtClean="0">
-                <a:hlinkClick r:id="rId2"/>
-              </a:rPr>
-              <a:t>bioinformatics.oxfordjournals.org/content/suppl/2009/10/24/btp613.DC1/bioinf-2008-1835-File004.pdf</a:t>
+              <a:t>https://bioinformatics.oxfordjournals.org/content/suppl/2009/10/24/btp613.DC1/bioinf-2008-1835-File004.pdf</a:t>
             </a:r>
           </a:p>
           <a:p>
